--- a/luna_authoring_system/test/test_assets/1 textbox from placeholder in slide layout.pptx
+++ b/luna_authoring_system/test/test_assets/1 textbox from placeholder in slide layout.pptx
@@ -5,7 +5,7 @@
     <p:sldMasterId id="2147483648" r:id="rId1"/>
   </p:sldMasterIdLst>
   <p:sldIdLst>
-    <p:sldId id="260" r:id="rId2"/>
+    <p:sldId id="261" r:id="rId2"/>
   </p:sldIdLst>
   <p:sldSz cx="12192000" cy="6858000"/>
   <p:notesSz cx="6858000" cy="9144000"/>
@@ -259,7 +259,7 @@
           <a:p>
             <a:fld id="{A31B7B93-94C3-494A-B4D8-E9B9DD6ABB78}" type="datetimeFigureOut">
               <a:rPr lang="en-US" smtClean="0"/>
-              <a:t>7/22/2025</a:t>
+              <a:t>7/31/2025</a:t>
             </a:fld>
             <a:endParaRPr lang="en-US"/>
           </a:p>
@@ -457,7 +457,7 @@
           <a:p>
             <a:fld id="{A31B7B93-94C3-494A-B4D8-E9B9DD6ABB78}" type="datetimeFigureOut">
               <a:rPr lang="en-US" smtClean="0"/>
-              <a:t>7/22/2025</a:t>
+              <a:t>7/31/2025</a:t>
             </a:fld>
             <a:endParaRPr lang="en-US"/>
           </a:p>
@@ -665,7 +665,7 @@
           <a:p>
             <a:fld id="{A31B7B93-94C3-494A-B4D8-E9B9DD6ABB78}" type="datetimeFigureOut">
               <a:rPr lang="en-US" smtClean="0"/>
-              <a:t>7/22/2025</a:t>
+              <a:t>7/31/2025</a:t>
             </a:fld>
             <a:endParaRPr lang="en-US"/>
           </a:p>
@@ -757,38 +757,41 @@
       </p:grpSpPr>
       <p:sp>
         <p:nvSpPr>
-          <p:cNvPr id="7" name="Text Placeholder 6">
-            <a:extLst>
-              <a:ext uri="{FF2B5EF4-FFF2-40B4-BE49-F238E27FC236}">
-                <a16:creationId xmlns:a16="http://schemas.microsoft.com/office/drawing/2014/main" id="{62CCE9CE-5AE7-C5A7-B48C-C576454360B5}"/>
-              </a:ext>
-            </a:extLst>
-          </p:cNvPr>
-          <p:cNvSpPr>
-            <a:spLocks noGrp="1"/>
-          </p:cNvSpPr>
-          <p:nvPr>
-            <p:ph type="body" sz="quarter" idx="10" hasCustomPrompt="1"/>
+          <p:cNvPr id="3" name="Text Placeholder 2">
+            <a:extLst>
+              <a:ext uri="{FF2B5EF4-FFF2-40B4-BE49-F238E27FC236}">
+                <a16:creationId xmlns:a16="http://schemas.microsoft.com/office/drawing/2014/main" id="{DC4EC69C-A3C2-9ED4-FF7B-E518EE2A4F07}"/>
+              </a:ext>
+            </a:extLst>
+          </p:cNvPr>
+          <p:cNvSpPr>
+            <a:spLocks noGrp="1"/>
+          </p:cNvSpPr>
+          <p:nvPr>
+            <p:ph type="body" sz="quarter" idx="11" hasCustomPrompt="1"/>
           </p:nvPr>
         </p:nvSpPr>
         <p:spPr>
           <a:xfrm>
-            <a:off x="1247775" y="561975"/>
-            <a:ext cx="1961417" cy="818417"/>
+            <a:off x="1274763" y="1644650"/>
+            <a:ext cx="2778125" cy="1081088"/>
           </a:xfrm>
         </p:spPr>
         <p:txBody>
-          <a:bodyPr/>
+          <a:bodyPr>
+            <a:normAutofit/>
+          </a:bodyPr>
           <a:lstStyle>
-            <a:lvl1pPr>
-              <a:defRPr/>
+            <a:lvl1pPr marL="0" indent="0">
+              <a:buNone/>
+              <a:defRPr sz="2000"/>
             </a:lvl1pPr>
           </a:lstStyle>
           <a:p>
             <a:pPr lvl="0"/>
             <a:r>
               <a:rPr lang="en-US" dirty="0"/>
-              <a:t>Add your text here</a:t>
+              <a:t>Text</a:t>
             </a:r>
           </a:p>
         </p:txBody>
@@ -931,7 +934,7 @@
           <a:p>
             <a:fld id="{A31B7B93-94C3-494A-B4D8-E9B9DD6ABB78}" type="datetimeFigureOut">
               <a:rPr lang="en-US" smtClean="0"/>
-              <a:t>7/22/2025</a:t>
+              <a:t>7/31/2025</a:t>
             </a:fld>
             <a:endParaRPr lang="en-US"/>
           </a:p>
@@ -1206,7 +1209,7 @@
           <a:p>
             <a:fld id="{A31B7B93-94C3-494A-B4D8-E9B9DD6ABB78}" type="datetimeFigureOut">
               <a:rPr lang="en-US" smtClean="0"/>
-              <a:t>7/22/2025</a:t>
+              <a:t>7/31/2025</a:t>
             </a:fld>
             <a:endParaRPr lang="en-US"/>
           </a:p>
@@ -1471,7 +1474,7 @@
           <a:p>
             <a:fld id="{A31B7B93-94C3-494A-B4D8-E9B9DD6ABB78}" type="datetimeFigureOut">
               <a:rPr lang="en-US" smtClean="0"/>
-              <a:t>7/22/2025</a:t>
+              <a:t>7/31/2025</a:t>
             </a:fld>
             <a:endParaRPr lang="en-US"/>
           </a:p>
@@ -1883,7 +1886,7 @@
           <a:p>
             <a:fld id="{A31B7B93-94C3-494A-B4D8-E9B9DD6ABB78}" type="datetimeFigureOut">
               <a:rPr lang="en-US" smtClean="0"/>
-              <a:t>7/22/2025</a:t>
+              <a:t>7/31/2025</a:t>
             </a:fld>
             <a:endParaRPr lang="en-US"/>
           </a:p>
@@ -2024,7 +2027,7 @@
           <a:p>
             <a:fld id="{A31B7B93-94C3-494A-B4D8-E9B9DD6ABB78}" type="datetimeFigureOut">
               <a:rPr lang="en-US" smtClean="0"/>
-              <a:t>7/22/2025</a:t>
+              <a:t>7/31/2025</a:t>
             </a:fld>
             <a:endParaRPr lang="en-US"/>
           </a:p>
@@ -2137,7 +2140,7 @@
           <a:p>
             <a:fld id="{A31B7B93-94C3-494A-B4D8-E9B9DD6ABB78}" type="datetimeFigureOut">
               <a:rPr lang="en-US" smtClean="0"/>
-              <a:t>7/22/2025</a:t>
+              <a:t>7/31/2025</a:t>
             </a:fld>
             <a:endParaRPr lang="en-US"/>
           </a:p>
@@ -2448,7 +2451,7 @@
           <a:p>
             <a:fld id="{A31B7B93-94C3-494A-B4D8-E9B9DD6ABB78}" type="datetimeFigureOut">
               <a:rPr lang="en-US" smtClean="0"/>
-              <a:t>7/22/2025</a:t>
+              <a:t>7/31/2025</a:t>
             </a:fld>
             <a:endParaRPr lang="en-US"/>
           </a:p>
@@ -2736,7 +2739,7 @@
           <a:p>
             <a:fld id="{A31B7B93-94C3-494A-B4D8-E9B9DD6ABB78}" type="datetimeFigureOut">
               <a:rPr lang="en-US" smtClean="0"/>
-              <a:t>7/22/2025</a:t>
+              <a:t>7/31/2025</a:t>
             </a:fld>
             <a:endParaRPr lang="en-US"/>
           </a:p>
@@ -2977,7 +2980,7 @@
           <a:p>
             <a:fld id="{A31B7B93-94C3-494A-B4D8-E9B9DD6ABB78}" type="datetimeFigureOut">
               <a:rPr lang="en-US" smtClean="0"/>
-              <a:t>7/22/2025</a:t>
+              <a:t>7/31/2025</a:t>
             </a:fld>
             <a:endParaRPr lang="en-US"/>
           </a:p>
@@ -3400,35 +3403,34 @@
           <p:cNvPr id="2" name="Text Placeholder 1">
             <a:extLst>
               <a:ext uri="{FF2B5EF4-FFF2-40B4-BE49-F238E27FC236}">
-                <a16:creationId xmlns:a16="http://schemas.microsoft.com/office/drawing/2014/main" id="{9107A3A9-0479-1A92-05AC-ACC10AE45DF8}"/>
-              </a:ext>
-            </a:extLst>
-          </p:cNvPr>
-          <p:cNvSpPr>
-            <a:spLocks noGrp="1"/>
-          </p:cNvSpPr>
-          <p:nvPr>
-            <p:ph type="body" sz="quarter" idx="10"/>
-          </p:nvPr>
-        </p:nvSpPr>
-        <p:spPr/>
-        <p:txBody>
-          <a:bodyPr>
-            <a:normAutofit lnSpcReduction="10000"/>
-          </a:bodyPr>
-          <a:lstStyle/>
-          <a:p>
-            <a:r>
-              <a:rPr lang="en-US" dirty="0"/>
+                <a16:creationId xmlns:a16="http://schemas.microsoft.com/office/drawing/2014/main" id="{1D29408E-5466-0ED3-7E0E-443B8B66A904}"/>
+              </a:ext>
+            </a:extLst>
+          </p:cNvPr>
+          <p:cNvSpPr>
+            <a:spLocks noGrp="1"/>
+          </p:cNvSpPr>
+          <p:nvPr>
+            <p:ph type="body" sz="quarter" idx="11"/>
+          </p:nvPr>
+        </p:nvSpPr>
+        <p:spPr/>
+        <p:txBody>
+          <a:bodyPr/>
+          <a:lstStyle/>
+          <a:p>
+            <a:r>
+              <a:rPr lang="en-US"/>
               <a:t>Hello World</a:t>
             </a:r>
+            <a:endParaRPr lang="en-US" dirty="0"/>
           </a:p>
         </p:txBody>
       </p:sp>
     </p:spTree>
     <p:extLst>
       <p:ext uri="{BB962C8B-B14F-4D97-AF65-F5344CB8AC3E}">
-        <p14:creationId xmlns:p14="http://schemas.microsoft.com/office/powerpoint/2010/main" val="181421840"/>
+        <p14:creationId xmlns:p14="http://schemas.microsoft.com/office/powerpoint/2010/main" val="1659204533"/>
       </p:ext>
     </p:extLst>
   </p:cSld>

--- a/luna_authoring_system/test/test_assets/1 textbox from placeholder in slide layout.pptx
+++ b/luna_authoring_system/test/test_assets/1 textbox from placeholder in slide layout.pptx
@@ -784,7 +784,7 @@
           <a:lstStyle>
             <a:lvl1pPr marL="0" indent="0">
               <a:buNone/>
-              <a:defRPr sz="2000"/>
+              <a:defRPr sz="2000" b="1"/>
             </a:lvl1pPr>
           </a:lstStyle>
           <a:p>
@@ -3420,10 +3420,9 @@
           <a:lstStyle/>
           <a:p>
             <a:r>
-              <a:rPr lang="en-US"/>
+              <a:rPr lang="en-US" dirty="0"/>
               <a:t>Hello World</a:t>
             </a:r>
-            <a:endParaRPr lang="en-US" dirty="0"/>
           </a:p>
         </p:txBody>
       </p:sp>
